--- a/Spam_Email_Detection_Presentation.pptx
+++ b/Spam_Email_Detection_Presentation.pptx
@@ -220,7 +220,7 @@
           <a:p>
             <a:fld id="{8F0114B1-C3E2-4380-8C70-FF709E6F88BD}" type="datetimeFigureOut">
               <a:rPr lang="en-US" smtClean="0"/>
-              <a:t>5/10/2025</a:t>
+              <a:t>5/11/2025</a:t>
             </a:fld>
             <a:endParaRPr lang="en-US"/>
           </a:p>
@@ -750,7 +750,7 @@
           <a:p>
             <a:fld id="{5BCAD085-E8A6-8845-BD4E-CB4CCA059FC4}" type="datetimeFigureOut">
               <a:rPr lang="en-US" smtClean="0"/>
-              <a:t>5/10/2025</a:t>
+              <a:t>5/11/2025</a:t>
             </a:fld>
             <a:endParaRPr lang="en-US"/>
           </a:p>
@@ -918,7 +918,7 @@
           <a:p>
             <a:fld id="{5BCAD085-E8A6-8845-BD4E-CB4CCA059FC4}" type="datetimeFigureOut">
               <a:rPr lang="en-US" smtClean="0"/>
-              <a:t>5/10/2025</a:t>
+              <a:t>5/11/2025</a:t>
             </a:fld>
             <a:endParaRPr lang="en-US"/>
           </a:p>
@@ -1096,7 +1096,7 @@
           <a:p>
             <a:fld id="{5BCAD085-E8A6-8845-BD4E-CB4CCA059FC4}" type="datetimeFigureOut">
               <a:rPr lang="en-US" smtClean="0"/>
-              <a:t>5/10/2025</a:t>
+              <a:t>5/11/2025</a:t>
             </a:fld>
             <a:endParaRPr lang="en-US"/>
           </a:p>
@@ -1264,7 +1264,7 @@
           <a:p>
             <a:fld id="{5BCAD085-E8A6-8845-BD4E-CB4CCA059FC4}" type="datetimeFigureOut">
               <a:rPr lang="en-US" smtClean="0"/>
-              <a:t>5/10/2025</a:t>
+              <a:t>5/11/2025</a:t>
             </a:fld>
             <a:endParaRPr lang="en-US"/>
           </a:p>
@@ -1509,7 +1509,7 @@
           <a:p>
             <a:fld id="{5BCAD085-E8A6-8845-BD4E-CB4CCA059FC4}" type="datetimeFigureOut">
               <a:rPr lang="en-US" smtClean="0"/>
-              <a:t>5/10/2025</a:t>
+              <a:t>5/11/2025</a:t>
             </a:fld>
             <a:endParaRPr lang="en-US"/>
           </a:p>
@@ -1794,7 +1794,7 @@
           <a:p>
             <a:fld id="{5BCAD085-E8A6-8845-BD4E-CB4CCA059FC4}" type="datetimeFigureOut">
               <a:rPr lang="en-US" smtClean="0"/>
-              <a:t>5/10/2025</a:t>
+              <a:t>5/11/2025</a:t>
             </a:fld>
             <a:endParaRPr lang="en-US"/>
           </a:p>
@@ -2213,7 +2213,7 @@
           <a:p>
             <a:fld id="{5BCAD085-E8A6-8845-BD4E-CB4CCA059FC4}" type="datetimeFigureOut">
               <a:rPr lang="en-US" smtClean="0"/>
-              <a:t>5/10/2025</a:t>
+              <a:t>5/11/2025</a:t>
             </a:fld>
             <a:endParaRPr lang="en-US"/>
           </a:p>
@@ -2330,7 +2330,7 @@
           <a:p>
             <a:fld id="{5BCAD085-E8A6-8845-BD4E-CB4CCA059FC4}" type="datetimeFigureOut">
               <a:rPr lang="en-US" smtClean="0"/>
-              <a:t>5/10/2025</a:t>
+              <a:t>5/11/2025</a:t>
             </a:fld>
             <a:endParaRPr lang="en-US"/>
           </a:p>
@@ -2425,7 +2425,7 @@
           <a:p>
             <a:fld id="{5BCAD085-E8A6-8845-BD4E-CB4CCA059FC4}" type="datetimeFigureOut">
               <a:rPr lang="en-US" smtClean="0"/>
-              <a:t>5/10/2025</a:t>
+              <a:t>5/11/2025</a:t>
             </a:fld>
             <a:endParaRPr lang="en-US"/>
           </a:p>
@@ -2700,7 +2700,7 @@
           <a:p>
             <a:fld id="{5BCAD085-E8A6-8845-BD4E-CB4CCA059FC4}" type="datetimeFigureOut">
               <a:rPr lang="en-US" smtClean="0"/>
-              <a:t>5/10/2025</a:t>
+              <a:t>5/11/2025</a:t>
             </a:fld>
             <a:endParaRPr lang="en-US"/>
           </a:p>
@@ -2952,7 +2952,7 @@
           <a:p>
             <a:fld id="{5BCAD085-E8A6-8845-BD4E-CB4CCA059FC4}" type="datetimeFigureOut">
               <a:rPr lang="en-US" smtClean="0"/>
-              <a:t>5/10/2025</a:t>
+              <a:t>5/11/2025</a:t>
             </a:fld>
             <a:endParaRPr lang="en-US"/>
           </a:p>
@@ -3163,7 +3163,7 @@
           <a:p>
             <a:fld id="{5BCAD085-E8A6-8845-BD4E-CB4CCA059FC4}" type="datetimeFigureOut">
               <a:rPr lang="en-US" smtClean="0"/>
-              <a:t>5/10/2025</a:t>
+              <a:t>5/11/2025</a:t>
             </a:fld>
             <a:endParaRPr lang="en-US"/>
           </a:p>
@@ -5861,7 +5861,7 @@
           <a:p>
             <a:r>
               <a:rPr lang="en-US" sz="1800" dirty="0"/>
-              <a:t>We have model like Naïve Bayes, SVM, Random Forest and more but here we used linear regression for binary classification like spam or not</a:t>
+              <a:t>We have model like Naïve Bayes, SVM, Random Forest and more but here we used Logistic regression for binary classification like spam or not</a:t>
             </a:r>
           </a:p>
           <a:p>
